--- a/Apresentation.pptx
+++ b/Apresentation.pptx
@@ -14344,7 +14344,7 @@
           <a:p>
             <a:fld id="{400DE392-ACC5-4190-BF68-4E4858CD1052}" type="datetimeFigureOut">
               <a:rPr lang="pt-PT" smtClean="0"/>
-              <a:t>13/06/2023</a:t>
+              <a:t>16/06/2023</a:t>
             </a:fld>
             <a:endParaRPr lang="pt-PT"/>
           </a:p>
@@ -16968,12 +16968,6 @@
               <a:t>A partilha de informação pode ser (dizer os 3 pontos), sendo que maior parte das informações são guardadas online ou localmente, levando à necessidade de pesquisa e inovação em métodos seguros capazes de proteger as informações.</a:t>
             </a:r>
           </a:p>
-          <a:p>
-            <a:r>
-              <a:rPr lang="pt-PT" dirty="0"/>
-              <a:t>O objetivo principal desta dissertação é encontrar e implementar métodos de marcação da informação de documentos, que permitam validar a sua autenticidade, como o utilizador, data/hora e o local em que o documento foi impresso</a:t>
-            </a:r>
-          </a:p>
         </p:txBody>
       </p:sp>
       <p:sp>
@@ -17326,7 +17320,15 @@
             </a:r>
             <a:r>
               <a:rPr lang="en-GB" dirty="0"/>
-              <a:t> de metadados referents </a:t>
+              <a:t> de metadados </a:t>
+            </a:r>
+            <a:r>
+              <a:rPr lang="en-GB" dirty="0" err="1"/>
+              <a:t>referentes</a:t>
+            </a:r>
+            <a:r>
+              <a:rPr lang="en-GB" dirty="0"/>
+              <a:t> </a:t>
             </a:r>
             <a:r>
               <a:rPr lang="en-GB" dirty="0" err="1"/>
@@ -17612,7 +17614,15 @@
             </a:r>
             <a:r>
               <a:rPr lang="en-GB" dirty="0"/>
-              <a:t> no interval da </a:t>
+              <a:t> no </a:t>
+            </a:r>
+            <a:r>
+              <a:rPr lang="en-GB" dirty="0" err="1"/>
+              <a:t>intervalo</a:t>
+            </a:r>
+            <a:r>
+              <a:rPr lang="en-GB" dirty="0"/>
+              <a:t> da </a:t>
             </a:r>
             <a:r>
               <a:rPr lang="en-GB" dirty="0" err="1"/>
@@ -17722,7 +17732,15 @@
             </a:r>
             <a:r>
               <a:rPr lang="en-GB" dirty="0" err="1"/>
-              <a:t>realizados</a:t>
+              <a:t>em</a:t>
+            </a:r>
+            <a:r>
+              <a:rPr lang="en-GB" dirty="0"/>
+              <a:t> documentos, </a:t>
+            </a:r>
+            <a:r>
+              <a:rPr lang="en-GB" dirty="0" err="1"/>
+              <a:t>como</a:t>
             </a:r>
             <a:r>
               <a:rPr lang="en-GB" dirty="0"/>
@@ -17730,15 +17748,7 @@
             </a:r>
             <a:r>
               <a:rPr lang="en-GB" dirty="0" err="1"/>
-              <a:t>em</a:t>
-            </a:r>
-            <a:r>
-              <a:rPr lang="en-GB" dirty="0"/>
-              <a:t> documentos, </a:t>
-            </a:r>
-            <a:r>
-              <a:rPr lang="en-GB" dirty="0" err="1"/>
-              <a:t>como</a:t>
+              <a:t>alterações</a:t>
             </a:r>
             <a:r>
               <a:rPr lang="en-GB" dirty="0"/>
@@ -17746,7 +17756,15 @@
             </a:r>
             <a:r>
               <a:rPr lang="en-GB" dirty="0" err="1"/>
-              <a:t>mudanças</a:t>
+              <a:t>textuais</a:t>
+            </a:r>
+            <a:r>
+              <a:rPr lang="en-GB" dirty="0"/>
+              <a:t>, </a:t>
+            </a:r>
+            <a:r>
+              <a:rPr lang="en-GB" dirty="0" err="1"/>
+              <a:t>rotações</a:t>
             </a:r>
             <a:r>
               <a:rPr lang="en-GB" dirty="0"/>
@@ -17754,7 +17772,23 @@
             </a:r>
             <a:r>
               <a:rPr lang="en-GB" dirty="0" err="1"/>
-              <a:t>textuais</a:t>
+              <a:t>em</a:t>
+            </a:r>
+            <a:r>
+              <a:rPr lang="en-GB" dirty="0"/>
+              <a:t> documentos digitais, e </a:t>
+            </a:r>
+            <a:r>
+              <a:rPr lang="en-GB" dirty="0" err="1"/>
+              <a:t>mudanças</a:t>
+            </a:r>
+            <a:r>
+              <a:rPr lang="en-GB" dirty="0"/>
+              <a:t> </a:t>
+            </a:r>
+            <a:r>
+              <a:rPr lang="en-GB" dirty="0" err="1"/>
+              <a:t>estruturais</a:t>
             </a:r>
             <a:r>
               <a:rPr lang="en-GB" dirty="0"/>
@@ -17762,7 +17796,33 @@
             </a:r>
             <a:r>
               <a:rPr lang="en-GB" dirty="0" err="1"/>
-              <a:t>rotações</a:t>
+              <a:t>apercebeu</a:t>
+            </a:r>
+            <a:r>
+              <a:rPr lang="en-GB" dirty="0"/>
+              <a:t>-se que o Sistema </a:t>
+            </a:r>
+            <a:r>
+              <a:rPr lang="en-GB" dirty="0" err="1"/>
+              <a:t>adapta</a:t>
+            </a:r>
+            <a:r>
+              <a:rPr lang="en-GB" dirty="0"/>
+              <a:t>-se Às </a:t>
+            </a:r>
+            <a:r>
+              <a:rPr lang="en-GB" dirty="0" err="1"/>
+              <a:t>ocasioes</a:t>
+            </a:r>
+            <a:r>
+              <a:rPr lang="en-GB" dirty="0"/>
+              <a:t>. </a:t>
+            </a:r>
+          </a:p>
+          <a:p>
+            <a:r>
+              <a:rPr lang="en-GB" dirty="0" err="1"/>
+              <a:t>Também</a:t>
             </a:r>
             <a:r>
               <a:rPr lang="en-GB" dirty="0"/>
@@ -17770,15 +17830,15 @@
             </a:r>
             <a:r>
               <a:rPr lang="en-GB" dirty="0" err="1"/>
+              <a:t>através</a:t>
+            </a:r>
+            <a:r>
+              <a:rPr lang="en-GB" dirty="0"/>
+              <a:t> de testes </a:t>
+            </a:r>
+            <a:r>
+              <a:rPr lang="en-GB" dirty="0" err="1"/>
               <a:t>em</a:t>
-            </a:r>
-            <a:r>
-              <a:rPr lang="en-GB" dirty="0"/>
-              <a:t> documentos digitais, e </a:t>
-            </a:r>
-            <a:r>
-              <a:rPr lang="en-GB" dirty="0" err="1"/>
-              <a:t>mudanças</a:t>
             </a:r>
             <a:r>
               <a:rPr lang="en-GB" dirty="0"/>
@@ -17786,7 +17846,97 @@
             </a:r>
             <a:r>
               <a:rPr lang="en-GB" dirty="0" err="1"/>
-              <a:t>estruturais</a:t>
+              <a:t>ficheiros</a:t>
+            </a:r>
+            <a:r>
+              <a:rPr lang="en-GB" dirty="0"/>
+              <a:t> </a:t>
+            </a:r>
+            <a:r>
+              <a:rPr lang="en-GB" dirty="0" err="1"/>
+              <a:t>digitalizados</a:t>
+            </a:r>
+            <a:r>
+              <a:rPr lang="en-GB" dirty="0"/>
+              <a:t> e </a:t>
+            </a:r>
+            <a:r>
+              <a:rPr lang="en-GB" dirty="0" err="1"/>
+              <a:t>mudança</a:t>
+            </a:r>
+            <a:r>
+              <a:rPr lang="en-GB" dirty="0"/>
+              <a:t> de Escala, </a:t>
+            </a:r>
+            <a:r>
+              <a:rPr lang="en-GB" dirty="0" err="1"/>
+              <a:t>demonstrou</a:t>
+            </a:r>
+            <a:r>
+              <a:rPr lang="en-GB" dirty="0"/>
+              <a:t>-se que o algoritmo se </a:t>
+            </a:r>
+            <a:r>
+              <a:rPr lang="en-GB" dirty="0" err="1"/>
+              <a:t>apta</a:t>
+            </a:r>
+            <a:r>
+              <a:rPr lang="en-GB" dirty="0"/>
+              <a:t> Às </a:t>
+            </a:r>
+            <a:r>
+              <a:rPr lang="en-GB" dirty="0" err="1"/>
+              <a:t>posiçoes</a:t>
+            </a:r>
+            <a:r>
+              <a:rPr lang="en-GB" dirty="0"/>
+              <a:t> </a:t>
+            </a:r>
+            <a:r>
+              <a:rPr lang="en-GB" dirty="0" err="1"/>
+              <a:t>em</a:t>
+            </a:r>
+            <a:r>
+              <a:rPr lang="en-GB" dirty="0"/>
+              <a:t> </a:t>
+            </a:r>
+            <a:r>
+              <a:rPr lang="en-GB" dirty="0" err="1"/>
+              <a:t>relação</a:t>
+            </a:r>
+            <a:r>
+              <a:rPr lang="en-GB" dirty="0"/>
+              <a:t> </a:t>
+            </a:r>
+            <a:r>
+              <a:rPr lang="en-GB" dirty="0" err="1"/>
+              <a:t>ao</a:t>
+            </a:r>
+            <a:r>
+              <a:rPr lang="en-GB" dirty="0"/>
+              <a:t> </a:t>
+            </a:r>
+            <a:r>
+              <a:rPr lang="en-GB" dirty="0" err="1"/>
+              <a:t>ficheiro</a:t>
+            </a:r>
+            <a:r>
+              <a:rPr lang="en-GB" dirty="0"/>
+              <a:t> original.</a:t>
+            </a:r>
+          </a:p>
+          <a:p>
+            <a:r>
+              <a:rPr lang="en-GB" dirty="0" err="1"/>
+              <a:t>Em</a:t>
+            </a:r>
+            <a:r>
+              <a:rPr lang="en-GB" dirty="0"/>
+              <a:t> </a:t>
+            </a:r>
+            <a:r>
+              <a:rPr lang="en-GB" dirty="0" err="1"/>
+              <a:t>suma</a:t>
             </a:r>
             <a:r>
               <a:rPr lang="en-GB" dirty="0"/>
@@ -17794,309 +17944,51 @@
             </a:r>
             <a:r>
               <a:rPr lang="en-GB" dirty="0" err="1"/>
-              <a:t>apercebeu</a:t>
+              <a:t>atingiu</a:t>
             </a:r>
             <a:r>
               <a:rPr lang="en-GB" dirty="0"/>
-              <a:t>-se que o Sistema </a:t>
+              <a:t>-se o </a:t>
             </a:r>
             <a:r>
               <a:rPr lang="en-GB" dirty="0" err="1"/>
-              <a:t>deteta</a:t>
+              <a:t>objetivo</a:t>
+            </a:r>
+            <a:r>
+              <a:rPr lang="en-GB" dirty="0"/>
+              <a:t> </a:t>
+            </a:r>
+            <a:r>
+              <a:rPr lang="en-GB" dirty="0" err="1"/>
+              <a:t>inicial</a:t>
+            </a:r>
+            <a:r>
+              <a:rPr lang="en-GB" dirty="0"/>
+              <a:t> de </a:t>
+            </a:r>
+            <a:r>
+              <a:rPr lang="en-GB" dirty="0" err="1"/>
+              <a:t>criar</a:t>
+            </a:r>
+            <a:r>
+              <a:rPr lang="en-GB" dirty="0"/>
+              <a:t> um </a:t>
+            </a:r>
+            <a:r>
+              <a:rPr lang="en-GB" dirty="0" err="1"/>
+              <a:t>método</a:t>
+            </a:r>
+            <a:r>
+              <a:rPr lang="en-GB" dirty="0"/>
+              <a:t> que </a:t>
+            </a:r>
+            <a:r>
+              <a:rPr lang="en-GB" dirty="0" err="1"/>
+              <a:t>garanta</a:t>
             </a:r>
             <a:r>
               <a:rPr lang="en-GB" dirty="0"/>
               <a:t> a </a:t>
-            </a:r>
-            <a:r>
-              <a:rPr lang="en-GB" dirty="0" err="1"/>
-              <a:t>mudança</a:t>
-            </a:r>
-            <a:r>
-              <a:rPr lang="en-GB" dirty="0"/>
-              <a:t> de </a:t>
-            </a:r>
-            <a:r>
-              <a:rPr lang="en-GB" dirty="0" err="1"/>
-              <a:t>letra</a:t>
-            </a:r>
-            <a:r>
-              <a:rPr lang="en-GB" dirty="0"/>
-              <a:t> </a:t>
-            </a:r>
-            <a:r>
-              <a:rPr lang="en-GB" dirty="0" err="1"/>
-              <a:t>em</a:t>
-            </a:r>
-            <a:r>
-              <a:rPr lang="en-GB" dirty="0"/>
-              <a:t> </a:t>
-            </a:r>
-            <a:r>
-              <a:rPr lang="en-GB" dirty="0" err="1"/>
-              <a:t>certas</a:t>
-            </a:r>
-            <a:r>
-              <a:rPr lang="en-GB" dirty="0"/>
-              <a:t> </a:t>
-            </a:r>
-            <a:r>
-              <a:rPr lang="en-GB" dirty="0" err="1"/>
-              <a:t>palavras</a:t>
-            </a:r>
-            <a:r>
-              <a:rPr lang="en-GB" dirty="0"/>
-              <a:t> que </a:t>
-            </a:r>
-            <a:r>
-              <a:rPr lang="en-GB" dirty="0" err="1"/>
-              <a:t>contenham</a:t>
-            </a:r>
-            <a:r>
-              <a:rPr lang="en-GB" dirty="0"/>
-              <a:t> a </a:t>
-            </a:r>
-            <a:r>
-              <a:rPr lang="en-GB" dirty="0" err="1"/>
-              <a:t>marca</a:t>
-            </a:r>
-            <a:r>
-              <a:rPr lang="en-GB" dirty="0"/>
-              <a:t>, </a:t>
-            </a:r>
-            <a:r>
-              <a:rPr lang="en-GB" dirty="0" err="1"/>
-              <a:t>consegue</a:t>
-            </a:r>
-            <a:r>
-              <a:rPr lang="en-GB" dirty="0"/>
-              <a:t> </a:t>
-            </a:r>
-            <a:r>
-              <a:rPr lang="en-GB" dirty="0" err="1"/>
-              <a:t>endireitar</a:t>
-            </a:r>
-            <a:r>
-              <a:rPr lang="en-GB" dirty="0"/>
-              <a:t> um documento </a:t>
-            </a:r>
-            <a:r>
-              <a:rPr lang="en-GB" dirty="0" err="1"/>
-              <a:t>digitalizado</a:t>
-            </a:r>
-            <a:r>
-              <a:rPr lang="en-GB" dirty="0"/>
-              <a:t> </a:t>
-            </a:r>
-            <a:r>
-              <a:rPr lang="en-GB" dirty="0" err="1"/>
-              <a:t>torto</a:t>
-            </a:r>
-            <a:r>
-              <a:rPr lang="en-GB" dirty="0"/>
-              <a:t> e </a:t>
-            </a:r>
-            <a:r>
-              <a:rPr lang="en-GB" dirty="0" err="1"/>
-              <a:t>consegue</a:t>
-            </a:r>
-            <a:r>
-              <a:rPr lang="en-GB" dirty="0"/>
-              <a:t> </a:t>
-            </a:r>
-            <a:r>
-              <a:rPr lang="en-GB" dirty="0" err="1"/>
-              <a:t>detetar</a:t>
-            </a:r>
-            <a:r>
-              <a:rPr lang="en-GB" dirty="0"/>
-              <a:t> zonas de </a:t>
-            </a:r>
-            <a:r>
-              <a:rPr lang="en-GB" dirty="0" err="1"/>
-              <a:t>alteração</a:t>
-            </a:r>
-            <a:r>
-              <a:rPr lang="en-GB" dirty="0"/>
-              <a:t> da </a:t>
-            </a:r>
-            <a:r>
-              <a:rPr lang="en-GB" dirty="0" err="1"/>
-              <a:t>esturutura</a:t>
-            </a:r>
-            <a:r>
-              <a:rPr lang="en-GB" dirty="0"/>
-              <a:t> do documento. </a:t>
-            </a:r>
-            <a:r>
-              <a:rPr lang="en-GB" dirty="0" err="1"/>
-              <a:t>Também</a:t>
-            </a:r>
-            <a:r>
-              <a:rPr lang="en-GB" dirty="0"/>
-              <a:t> </a:t>
-            </a:r>
-            <a:r>
-              <a:rPr lang="en-GB" dirty="0" err="1"/>
-              <a:t>através</a:t>
-            </a:r>
-            <a:r>
-              <a:rPr lang="en-GB" dirty="0"/>
-              <a:t> de testes </a:t>
-            </a:r>
-            <a:r>
-              <a:rPr lang="en-GB" dirty="0" err="1"/>
-              <a:t>em</a:t>
-            </a:r>
-            <a:r>
-              <a:rPr lang="en-GB" dirty="0"/>
-              <a:t> </a:t>
-            </a:r>
-            <a:r>
-              <a:rPr lang="en-GB" dirty="0" err="1"/>
-              <a:t>ficheiros</a:t>
-            </a:r>
-            <a:r>
-              <a:rPr lang="en-GB" dirty="0"/>
-              <a:t> </a:t>
-            </a:r>
-            <a:r>
-              <a:rPr lang="en-GB" dirty="0" err="1"/>
-              <a:t>digitalizados</a:t>
-            </a:r>
-            <a:r>
-              <a:rPr lang="en-GB" dirty="0"/>
-              <a:t> e </a:t>
-            </a:r>
-            <a:r>
-              <a:rPr lang="en-GB" dirty="0" err="1"/>
-              <a:t>mudança</a:t>
-            </a:r>
-            <a:r>
-              <a:rPr lang="en-GB" dirty="0"/>
-              <a:t> de Escala, </a:t>
-            </a:r>
-            <a:r>
-              <a:rPr lang="en-GB" dirty="0" err="1"/>
-              <a:t>demonstrou</a:t>
-            </a:r>
-            <a:r>
-              <a:rPr lang="en-GB" dirty="0"/>
-              <a:t>-se que o algoritmo </a:t>
-            </a:r>
-            <a:r>
-              <a:rPr lang="en-GB" dirty="0" err="1"/>
-              <a:t>apta</a:t>
-            </a:r>
-            <a:r>
-              <a:rPr lang="en-GB" dirty="0"/>
-              <a:t> as </a:t>
-            </a:r>
-            <a:r>
-              <a:rPr lang="en-GB" dirty="0" err="1"/>
-              <a:t>posiçoes</a:t>
-            </a:r>
-            <a:r>
-              <a:rPr lang="en-GB" dirty="0"/>
-              <a:t> </a:t>
-            </a:r>
-            <a:r>
-              <a:rPr lang="en-GB" dirty="0" err="1"/>
-              <a:t>em</a:t>
-            </a:r>
-            <a:r>
-              <a:rPr lang="en-GB" dirty="0"/>
-              <a:t> </a:t>
-            </a:r>
-            <a:r>
-              <a:rPr lang="en-GB" dirty="0" err="1"/>
-              <a:t>relação</a:t>
-            </a:r>
-            <a:r>
-              <a:rPr lang="en-GB" dirty="0"/>
-              <a:t> </a:t>
-            </a:r>
-            <a:r>
-              <a:rPr lang="en-GB" dirty="0" err="1"/>
-              <a:t>ao</a:t>
-            </a:r>
-            <a:r>
-              <a:rPr lang="en-GB" dirty="0"/>
-              <a:t> </a:t>
-            </a:r>
-            <a:r>
-              <a:rPr lang="en-GB" dirty="0" err="1"/>
-              <a:t>ficheiro</a:t>
-            </a:r>
-            <a:r>
-              <a:rPr lang="en-GB" dirty="0"/>
-              <a:t> original.</a:t>
-            </a:r>
-          </a:p>
-          <a:p>
-            <a:r>
-              <a:rPr lang="en-GB" dirty="0" err="1"/>
-              <a:t>Em</a:t>
-            </a:r>
-            <a:r>
-              <a:rPr lang="en-GB" dirty="0"/>
-              <a:t> </a:t>
-            </a:r>
-            <a:r>
-              <a:rPr lang="en-GB" dirty="0" err="1"/>
-              <a:t>suma</a:t>
-            </a:r>
-            <a:r>
-              <a:rPr lang="en-GB" dirty="0"/>
-              <a:t>, </a:t>
-            </a:r>
-            <a:r>
-              <a:rPr lang="en-GB" dirty="0" err="1"/>
-              <a:t>atingiu</a:t>
-            </a:r>
-            <a:r>
-              <a:rPr lang="en-GB" dirty="0"/>
-              <a:t>-se o </a:t>
-            </a:r>
-            <a:r>
-              <a:rPr lang="en-GB" dirty="0" err="1"/>
-              <a:t>objetivo</a:t>
-            </a:r>
-            <a:r>
-              <a:rPr lang="en-GB" dirty="0"/>
-              <a:t> </a:t>
-            </a:r>
-            <a:r>
-              <a:rPr lang="en-GB" dirty="0" err="1"/>
-              <a:t>inicial</a:t>
-            </a:r>
-            <a:r>
-              <a:rPr lang="en-GB" dirty="0"/>
-              <a:t> de </a:t>
-            </a:r>
-            <a:r>
-              <a:rPr lang="en-GB" dirty="0" err="1"/>
-              <a:t>criar</a:t>
-            </a:r>
-            <a:r>
-              <a:rPr lang="en-GB" dirty="0"/>
-              <a:t> um </a:t>
-            </a:r>
-            <a:r>
-              <a:rPr lang="en-GB" dirty="0" err="1"/>
-              <a:t>método</a:t>
-            </a:r>
-            <a:r>
-              <a:rPr lang="en-GB" dirty="0"/>
-              <a:t> que </a:t>
-            </a:r>
-            <a:r>
-              <a:rPr lang="en-GB" dirty="0" err="1"/>
-              <a:t>garanta</a:t>
-            </a:r>
-            <a:r>
-              <a:rPr lang="en-GB" dirty="0"/>
-              <a:t> a  </a:t>
             </a:r>
             <a:r>
               <a:rPr lang="en-GB" dirty="0" err="1"/>
@@ -19344,103 +19236,6 @@
               <a:buFont typeface="+mj-lt"/>
               <a:buNone/>
             </a:pPr>
-            <a:r>
-              <a:rPr lang="pt-PT" sz="1800" dirty="0">
-                <a:effectLst/>
-                <a:latin typeface="Times New Roman" panose="02020603050405020304" pitchFamily="18" charset="0"/>
-                <a:ea typeface="Times New Roman" panose="02020603050405020304" pitchFamily="18" charset="0"/>
-              </a:rPr>
-              <a:t>Inicialmente os QR Code, nomeadamente os quadrados de posição, eram utilizados para a criação dos pontos para os segmentos de reta, espalhados pelos </a:t>
-            </a:r>
-            <a:r>
-              <a:rPr lang="pt-PT" sz="1800" i="1" dirty="0">
-                <a:effectLst/>
-                <a:latin typeface="Times New Roman" panose="02020603050405020304" pitchFamily="18" charset="0"/>
-                <a:ea typeface="Times New Roman" panose="02020603050405020304" pitchFamily="18" charset="0"/>
-              </a:rPr>
-              <a:t>n</a:t>
-            </a:r>
-            <a:r>
-              <a:rPr lang="pt-PT" sz="1800" dirty="0">
-                <a:effectLst/>
-                <a:latin typeface="Times New Roman" panose="02020603050405020304" pitchFamily="18" charset="0"/>
-                <a:ea typeface="Times New Roman" panose="02020603050405020304" pitchFamily="18" charset="0"/>
-              </a:rPr>
-              <a:t> pontos pré-definidos, contudo estes em ficheiros digitais eram difíceis de compreender ou até mesmo desvaneciam a cor, levando à sua remoção e adotando uma nova estratégia.</a:t>
-            </a:r>
-          </a:p>
-          <a:p>
-            <a:pPr marL="0" marR="0" lvl="0" indent="0" algn="just" defTabSz="914400" rtl="0" eaLnBrk="1" fontAlgn="auto" latinLnBrk="0" hangingPunct="1">
-              <a:lnSpc>
-                <a:spcPct val="150000"/>
-              </a:lnSpc>
-              <a:spcBef>
-                <a:spcPts val="0"/>
-              </a:spcBef>
-              <a:spcAft>
-                <a:spcPts val="0"/>
-              </a:spcAft>
-              <a:buClrTx/>
-              <a:buSzTx/>
-              <a:buFont typeface="+mj-lt"/>
-              <a:buNone/>
-              <a:tabLst/>
-              <a:defRPr/>
-            </a:pPr>
-            <a:r>
-              <a:rPr lang="pt-PT" sz="1800" dirty="0">
-                <a:effectLst/>
-                <a:latin typeface="Times New Roman" panose="02020603050405020304" pitchFamily="18" charset="0"/>
-                <a:ea typeface="Times New Roman" panose="02020603050405020304" pitchFamily="18" charset="0"/>
-              </a:rPr>
-              <a:t>A nova estratégia envolve utilizar dois códigos de barras distintos, um em cima e outro em baixo do documento, onde permitia calcular a distorção em </a:t>
-            </a:r>
-            <a:r>
-              <a:rPr lang="pt-PT" sz="1800" i="1" dirty="0">
-                <a:effectLst/>
-                <a:latin typeface="Times New Roman" panose="02020603050405020304" pitchFamily="18" charset="0"/>
-                <a:ea typeface="Times New Roman" panose="02020603050405020304" pitchFamily="18" charset="0"/>
-              </a:rPr>
-              <a:t>x</a:t>
-            </a:r>
-            <a:r>
-              <a:rPr lang="pt-PT" sz="1800" dirty="0">
-                <a:effectLst/>
-                <a:latin typeface="Times New Roman" panose="02020603050405020304" pitchFamily="18" charset="0"/>
-                <a:ea typeface="Times New Roman" panose="02020603050405020304" pitchFamily="18" charset="0"/>
-              </a:rPr>
-              <a:t> e </a:t>
-            </a:r>
-            <a:r>
-              <a:rPr lang="pt-PT" sz="1800" i="1" dirty="0">
-                <a:effectLst/>
-                <a:latin typeface="Times New Roman" panose="02020603050405020304" pitchFamily="18" charset="0"/>
-                <a:ea typeface="Times New Roman" panose="02020603050405020304" pitchFamily="18" charset="0"/>
-              </a:rPr>
-              <a:t>y</a:t>
-            </a:r>
-            <a:r>
-              <a:rPr lang="pt-PT" sz="1800" dirty="0">
-                <a:effectLst/>
-                <a:latin typeface="Times New Roman" panose="02020603050405020304" pitchFamily="18" charset="0"/>
-                <a:ea typeface="Times New Roman" panose="02020603050405020304" pitchFamily="18" charset="0"/>
-              </a:rPr>
-              <a:t> no ficheiro digitalizado, calculando assim a sua proporção e adaptação das posições ao ficheiro digitalizado. Este cálculo é feito através das posições dos códigos de barras 128 e 39.</a:t>
-            </a:r>
-            <a:endParaRPr lang="en-GB" sz="1800" dirty="0">
-              <a:effectLst/>
-              <a:latin typeface="Times New Roman" panose="02020603050405020304" pitchFamily="18" charset="0"/>
-              <a:ea typeface="Times New Roman" panose="02020603050405020304" pitchFamily="18" charset="0"/>
-            </a:endParaRPr>
-          </a:p>
-          <a:p>
-            <a:pPr marL="0" lvl="0" indent="0" algn="just">
-              <a:lnSpc>
-                <a:spcPct val="150000"/>
-              </a:lnSpc>
-              <a:buFont typeface="+mj-lt"/>
-              <a:buNone/>
-            </a:pPr>
             <a:endParaRPr lang="en-GB" sz="1800" dirty="0">
               <a:effectLst/>
               <a:latin typeface="Times New Roman" panose="02020603050405020304" pitchFamily="18" charset="0"/>
@@ -19751,7 +19546,7 @@
           <a:p>
             <a:fld id="{72EA7947-E287-4738-8C82-07CE4F01EF03}" type="datetime2">
               <a:rPr lang="en-US" smtClean="0"/>
-              <a:t>Tuesday, June 13, 2023</a:t>
+              <a:t>Friday, June 16, 2023</a:t>
             </a:fld>
             <a:endParaRPr lang="en-US" dirty="0"/>
           </a:p>
@@ -20787,7 +20582,7 @@
           <a:p>
             <a:fld id="{EE2EBD84-71F4-4271-8C46-0D47C0A9B12E}" type="datetime2">
               <a:rPr lang="en-US" smtClean="0"/>
-              <a:t>Tuesday, June 13, 2023</a:t>
+              <a:t>Friday, June 16, 2023</a:t>
             </a:fld>
             <a:endParaRPr lang="en-US"/>
           </a:p>
@@ -20998,7 +20793,7 @@
           <a:p>
             <a:fld id="{ABAE0CE1-F450-4107-B2CB-17B18F8A3F4A}" type="datetime2">
               <a:rPr lang="en-US" smtClean="0"/>
-              <a:t>Tuesday, June 13, 2023</a:t>
+              <a:t>Friday, June 16, 2023</a:t>
             </a:fld>
             <a:endParaRPr lang="en-US"/>
           </a:p>
@@ -21663,7 +21458,7 @@
           <a:p>
             <a:fld id="{6FE8C025-CD7A-4966-867E-81CF82B15267}" type="datetime2">
               <a:rPr lang="en-US" smtClean="0"/>
-              <a:t>Tuesday, June 13, 2023</a:t>
+              <a:t>Friday, June 16, 2023</a:t>
             </a:fld>
             <a:endParaRPr lang="en-US"/>
           </a:p>
@@ -22283,7 +22078,7 @@
           <a:p>
             <a:fld id="{FE809929-0719-4517-94D6-FDF7F99E70F6}" type="datetime2">
               <a:rPr lang="en-US" smtClean="0"/>
-              <a:t>Tuesday, June 13, 2023</a:t>
+              <a:t>Friday, June 16, 2023</a:t>
             </a:fld>
             <a:endParaRPr lang="en-US"/>
           </a:p>
@@ -23401,7 +23196,7 @@
           <a:p>
             <a:fld id="{20E95673-5512-4AAA-9AEB-E00C61EC65D5}" type="datetime2">
               <a:rPr lang="en-US" smtClean="0"/>
-              <a:t>Tuesday, June 13, 2023</a:t>
+              <a:t>Friday, June 16, 2023</a:t>
             </a:fld>
             <a:endParaRPr lang="en-US"/>
           </a:p>
@@ -23948,7 +23743,7 @@
           <a:p>
             <a:fld id="{C13138FA-2E87-4873-8BBA-13E447C9A99A}" type="datetime2">
               <a:rPr lang="en-US" smtClean="0"/>
-              <a:t>Tuesday, June 13, 2023</a:t>
+              <a:t>Friday, June 16, 2023</a:t>
             </a:fld>
             <a:endParaRPr lang="en-US"/>
           </a:p>
@@ -24109,7 +23904,7 @@
           <a:p>
             <a:fld id="{D75BB40A-97BD-4BFB-B639-0BFF95FDE8B7}" type="datetime2">
               <a:rPr lang="en-US" smtClean="0"/>
-              <a:t>Tuesday, June 13, 2023</a:t>
+              <a:t>Friday, June 16, 2023</a:t>
             </a:fld>
             <a:endParaRPr lang="en-US"/>
           </a:p>
@@ -25144,7 +24939,7 @@
           <a:p>
             <a:fld id="{9EE9E0E3-ECF6-4CFE-8698-AEFEBCECC3C0}" type="datetime2">
               <a:rPr lang="en-US" smtClean="0"/>
-              <a:t>Tuesday, June 13, 2023</a:t>
+              <a:t>Friday, June 16, 2023</a:t>
             </a:fld>
             <a:endParaRPr lang="en-US"/>
           </a:p>
@@ -25790,7 +25585,7 @@
           <a:p>
             <a:fld id="{251462FC-960E-4740-921F-B36862979F21}" type="datetime2">
               <a:rPr lang="en-US" smtClean="0"/>
-              <a:t>Tuesday, June 13, 2023</a:t>
+              <a:t>Friday, June 16, 2023</a:t>
             </a:fld>
             <a:endParaRPr lang="en-US"/>
           </a:p>
@@ -26554,7 +26349,7 @@
           <a:p>
             <a:fld id="{E50BC9E2-CB44-4C05-9BB5-496C18A241E0}" type="datetime2">
               <a:rPr lang="en-US" smtClean="0"/>
-              <a:t>Tuesday, June 13, 2023</a:t>
+              <a:t>Friday, June 16, 2023</a:t>
             </a:fld>
             <a:endParaRPr lang="en-US"/>
           </a:p>
@@ -26807,7 +26602,7 @@
           <a:p>
             <a:fld id="{246CB39B-5F4C-4A7E-9BE3-AAFD45576D16}" type="datetime2">
               <a:rPr lang="en-US" smtClean="0"/>
-              <a:t>Tuesday, June 13, 2023</a:t>
+              <a:t>Friday, June 16, 2023</a:t>
             </a:fld>
             <a:endParaRPr lang="en-US" dirty="0"/>
           </a:p>
@@ -28433,20 +28228,12 @@
               <a:t>Extensão marca de água: “</a:t>
             </a:r>
             <a:r>
-              <a:rPr lang="pt-PT" sz="1800" dirty="0" err="1">
-                <a:effectLst/>
-                <a:latin typeface="Times New Roman" panose="02020603050405020304" pitchFamily="18" charset="0"/>
-                <a:ea typeface="Arial MT"/>
-              </a:rPr>
-              <a:t>nome_ficheiro_watermark_dd_mm_yy_hh_m_ss</a:t>
-            </a:r>
-            <a:r>
               <a:rPr lang="pt-PT" sz="1800" dirty="0">
                 <a:effectLst/>
                 <a:latin typeface="Times New Roman" panose="02020603050405020304" pitchFamily="18" charset="0"/>
                 <a:ea typeface="Arial MT"/>
               </a:rPr>
-              <a:t>”;</a:t>
+              <a:t>nome_ficheiro_watermark_dd_mm_yy_hh_m_ss”;</a:t>
             </a:r>
             <a:endParaRPr lang="pt-PT" dirty="0"/>
           </a:p>
@@ -28954,7 +28741,7 @@
 </file>
 
 <file path=ppt/slides/slide15.xml><?xml version="1.0" encoding="utf-8"?>
-<p:sld xmlns:a="http://schemas.openxmlformats.org/drawingml/2006/main" xmlns:r="http://schemas.openxmlformats.org/officeDocument/2006/relationships" xmlns:p="http://schemas.openxmlformats.org/presentationml/2006/main">
+<p:sld xmlns:a="http://schemas.openxmlformats.org/drawingml/2006/main" xmlns:r="http://schemas.openxmlformats.org/officeDocument/2006/relationships" xmlns:p="http://schemas.openxmlformats.org/presentationml/2006/main" show="0">
   <p:cSld>
     <p:bg>
       <p:bgPr>
@@ -30915,7 +30702,7 @@
 </file>
 
 <file path=ppt/slides/slide16.xml><?xml version="1.0" encoding="utf-8"?>
-<p:sld xmlns:a="http://schemas.openxmlformats.org/drawingml/2006/main" xmlns:r="http://schemas.openxmlformats.org/officeDocument/2006/relationships" xmlns:p="http://schemas.openxmlformats.org/presentationml/2006/main">
+<p:sld xmlns:a="http://schemas.openxmlformats.org/drawingml/2006/main" xmlns:r="http://schemas.openxmlformats.org/officeDocument/2006/relationships" xmlns:p="http://schemas.openxmlformats.org/presentationml/2006/main" show="0">
   <p:cSld>
     <p:spTree>
       <p:nvGrpSpPr>
@@ -31051,7 +30838,6 @@
             </a:pPr>
             <a:r>
               <a:rPr lang="pt-PT" dirty="0" err="1">
-                <a:latin typeface="Times New Roman" panose="02020603050405020304" pitchFamily="18" charset="0"/>
                 <a:ea typeface="Times New Roman" panose="02020603050405020304" pitchFamily="18" charset="0"/>
               </a:rPr>
               <a:t>D</a:t>
@@ -31059,7 +30845,6 @@
             <a:r>
               <a:rPr lang="pt-PT" sz="1800" dirty="0" err="1">
                 <a:effectLst/>
-                <a:latin typeface="Times New Roman" panose="02020603050405020304" pitchFamily="18" charset="0"/>
                 <a:ea typeface="Times New Roman" panose="02020603050405020304" pitchFamily="18" charset="0"/>
               </a:rPr>
               <a:t>imensions_document</a:t>
@@ -31067,7 +30852,6 @@
             <a:r>
               <a:rPr lang="pt-PT" sz="1800" dirty="0">
                 <a:effectLst/>
-                <a:latin typeface="Times New Roman" panose="02020603050405020304" pitchFamily="18" charset="0"/>
                 <a:ea typeface="Times New Roman" panose="02020603050405020304" pitchFamily="18" charset="0"/>
               </a:rPr>
               <a:t>: guarda as dimensões do ficheiro original em formato PDF e bitmap;</a:t>
@@ -34266,7 +34050,7 @@
           <a:p>
             <a:r>
               <a:rPr lang="pt-PT" dirty="0"/>
-              <a:t>Encontrar soluções para documentos classificados que permitem a validação da integridade dos mesmos. </a:t>
+              <a:t>Encontrar soluções para documentos classificados que permitem a validação da integridade e da autenticidade dos mesmos. </a:t>
             </a:r>
           </a:p>
           <a:p>
@@ -35743,7 +35527,7 @@
           <a:p>
             <a:r>
               <a:rPr lang="pt-PT" dirty="0"/>
-              <a:t>Código de barras</a:t>
+              <a:t>Código de Barras</a:t>
             </a:r>
           </a:p>
         </p:txBody>
@@ -36764,7 +36548,7 @@
             <p:ph idx="1"/>
             <p:extLst>
               <p:ext uri="{D42A27DB-BD31-4B8C-83A1-F6EECF244321}">
-                <p14:modId xmlns:p14="http://schemas.microsoft.com/office/powerpoint/2010/main" val="1152202884"/>
+                <p14:modId xmlns:p14="http://schemas.microsoft.com/office/powerpoint/2010/main" val="3904752541"/>
               </p:ext>
             </p:extLst>
           </p:nvPr>
@@ -36829,6 +36613,7 @@
                     <a:bodyPr/>
                     <a:lstStyle/>
                     <a:p>
+                      <a:pPr algn="ctr"/>
                       <a:r>
                         <a:rPr lang="pt-PT" dirty="0"/>
                         <a:t>Nome</a:t>
@@ -36842,6 +36627,7 @@
                     <a:bodyPr/>
                     <a:lstStyle/>
                     <a:p>
+                      <a:pPr algn="ctr"/>
                       <a:r>
                         <a:rPr lang="pt-PT" dirty="0"/>
                         <a:t>Imagem</a:t>
@@ -36855,6 +36641,7 @@
                     <a:bodyPr/>
                     <a:lstStyle/>
                     <a:p>
+                      <a:pPr algn="ctr"/>
                       <a:r>
                         <a:rPr lang="pt-PT" dirty="0"/>
                         <a:t>Tamanho máximo de dados</a:t>
@@ -36868,6 +36655,7 @@
                     <a:bodyPr/>
                     <a:lstStyle/>
                     <a:p>
+                      <a:pPr algn="ctr"/>
                       <a:r>
                         <a:rPr lang="pt-PT" dirty="0"/>
                         <a:t>Tipos de dados</a:t>
@@ -36881,6 +36669,7 @@
                     <a:bodyPr/>
                     <a:lstStyle/>
                     <a:p>
+                      <a:pPr algn="ctr"/>
                       <a:r>
                         <a:rPr lang="pt-PT" dirty="0"/>
                         <a:t>Vantagens</a:t>
@@ -36894,6 +36683,7 @@
                     <a:bodyPr/>
                     <a:lstStyle/>
                     <a:p>
+                      <a:pPr algn="ctr"/>
                       <a:r>
                         <a:rPr lang="pt-PT" dirty="0"/>
                         <a:t>Desvantagens</a:t>
@@ -37047,6 +36837,7 @@
                     <a:bodyPr/>
                     <a:lstStyle/>
                     <a:p>
+                      <a:pPr algn="ctr"/>
                       <a:r>
                         <a:rPr lang="pt-PT" sz="1800" kern="1200" dirty="0">
                           <a:solidFill>
@@ -37069,6 +36860,7 @@
                     <a:bodyPr/>
                     <a:lstStyle/>
                     <a:p>
+                      <a:pPr algn="ctr"/>
                       <a:r>
                         <a:rPr lang="pt-PT" sz="1800" kern="1200" dirty="0">
                           <a:solidFill>
@@ -37092,6 +36884,7 @@
                       </a:endParaRPr>
                     </a:p>
                     <a:p>
+                      <a:pPr algn="ctr"/>
                       <a:r>
                         <a:rPr lang="pt-PT" sz="1800" kern="1200" dirty="0">
                           <a:solidFill>
@@ -37115,6 +36908,7 @@
                       </a:endParaRPr>
                     </a:p>
                     <a:p>
+                      <a:pPr algn="ctr"/>
                       <a:r>
                         <a:rPr lang="pt-PT" sz="1800" kern="1200" dirty="0">
                           <a:solidFill>
@@ -37149,7 +36943,7 @@
                     <a:bodyPr/>
                     <a:lstStyle/>
                     <a:p>
-                      <a:pPr marL="0" marR="0" lvl="0" indent="0" algn="l" defTabSz="914400" rtl="0" eaLnBrk="1" fontAlgn="auto" latinLnBrk="0" hangingPunct="1">
+                      <a:pPr marL="0" marR="0" lvl="0" indent="0" algn="ctr" defTabSz="914400" rtl="0" eaLnBrk="1" fontAlgn="auto" latinLnBrk="0" hangingPunct="1">
                         <a:lnSpc>
                           <a:spcPct val="100000"/>
                         </a:lnSpc>
@@ -37265,6 +37059,7 @@
                     <a:bodyPr/>
                     <a:lstStyle/>
                     <a:p>
+                      <a:pPr algn="ctr"/>
                       <a:r>
                         <a:rPr lang="pt-PT" sz="1800" kern="1200" dirty="0">
                           <a:solidFill>
@@ -37287,6 +37082,7 @@
                     <a:bodyPr/>
                     <a:lstStyle/>
                     <a:p>
+                      <a:pPr algn="ctr"/>
                       <a:r>
                         <a:rPr lang="pt-PT" dirty="0"/>
                         <a:t>Open Source</a:t>
@@ -37300,6 +37096,7 @@
                     <a:bodyPr/>
                     <a:lstStyle/>
                     <a:p>
+                      <a:pPr algn="ctr"/>
                       <a:r>
                         <a:rPr lang="pt-PT" sz="1800" kern="1200" dirty="0">
                           <a:solidFill>
@@ -37643,7 +37440,7 @@
           <a:p>
             <a:r>
               <a:rPr lang="pt-PT" dirty="0"/>
-              <a:t>Processo de criação da metainformação</a:t>
+              <a:t>Processo de Criação da Metainformação</a:t>
             </a:r>
           </a:p>
         </p:txBody>
